--- a/ppt 16-9/0604.主你若究查罪孽.pptx
+++ b/ppt 16-9/0604.主你若究查罪孽.pptx
@@ -5,7 +5,7 @@
     <p:sldMasterId id="2147483648" r:id="rId1"/>
   </p:sldMasterIdLst>
   <p:sldIdLst>
-    <p:sldId id="2385" r:id="rId2"/>
+    <p:sldId id="2386" r:id="rId2"/>
   </p:sldIdLst>
   <p:sldSz cx="12192000" cy="6858000"/>
   <p:notesSz cx="6858000" cy="9144000"/>
@@ -129,7 +129,7 @@
           <p:cNvPr id="2" name="标题 1">
             <a:extLst>
               <a:ext uri="{FF2B5EF4-FFF2-40B4-BE49-F238E27FC236}">
-                <a16:creationId xmlns:a16="http://schemas.microsoft.com/office/drawing/2014/main" id="{976548AA-8535-B70F-B314-68389805D9ED}"/>
+                <a16:creationId xmlns:a16="http://schemas.microsoft.com/office/drawing/2014/main" id="{AAA16EED-9466-B36C-CBD1-0E042751D0E8}"/>
               </a:ext>
             </a:extLst>
           </p:cNvPr>
@@ -166,7 +166,7 @@
           <p:cNvPr id="3" name="副标题 2">
             <a:extLst>
               <a:ext uri="{FF2B5EF4-FFF2-40B4-BE49-F238E27FC236}">
-                <a16:creationId xmlns:a16="http://schemas.microsoft.com/office/drawing/2014/main" id="{4737895C-8C02-5574-9853-5D0C5D90D840}"/>
+                <a16:creationId xmlns:a16="http://schemas.microsoft.com/office/drawing/2014/main" id="{14082CFA-1CB8-01D3-DD88-1F571D4AAAB6}"/>
               </a:ext>
             </a:extLst>
           </p:cNvPr>
@@ -236,7 +236,7 @@
           <p:cNvPr id="4" name="日期占位符 3">
             <a:extLst>
               <a:ext uri="{FF2B5EF4-FFF2-40B4-BE49-F238E27FC236}">
-                <a16:creationId xmlns:a16="http://schemas.microsoft.com/office/drawing/2014/main" id="{1DBAE3A1-6805-358C-6DFD-1FE62834D937}"/>
+                <a16:creationId xmlns:a16="http://schemas.microsoft.com/office/drawing/2014/main" id="{11AE8B55-9C0A-2D2B-D503-C7114F7A2908}"/>
               </a:ext>
             </a:extLst>
           </p:cNvPr>
@@ -252,7 +252,7 @@
           <a:bodyPr/>
           <a:lstStyle/>
           <a:p>
-            <a:fld id="{ABC3D9A0-6FCC-4B4B-8747-056AC05B9C21}" type="datetimeFigureOut">
+            <a:fld id="{F88E6C72-7A11-4FCF-B3A7-1281951D6622}" type="datetimeFigureOut">
               <a:rPr lang="zh-CN" altLang="en-US" smtClean="0"/>
               <a:t>2024/3/10</a:t>
             </a:fld>
@@ -265,7 +265,7 @@
           <p:cNvPr id="5" name="页脚占位符 4">
             <a:extLst>
               <a:ext uri="{FF2B5EF4-FFF2-40B4-BE49-F238E27FC236}">
-                <a16:creationId xmlns:a16="http://schemas.microsoft.com/office/drawing/2014/main" id="{C4A051FA-850A-022F-E919-B95130184D2A}"/>
+                <a16:creationId xmlns:a16="http://schemas.microsoft.com/office/drawing/2014/main" id="{56510E43-4286-2962-FB28-0D8F971FDC66}"/>
               </a:ext>
             </a:extLst>
           </p:cNvPr>
@@ -290,7 +290,7 @@
           <p:cNvPr id="6" name="灯片编号占位符 5">
             <a:extLst>
               <a:ext uri="{FF2B5EF4-FFF2-40B4-BE49-F238E27FC236}">
-                <a16:creationId xmlns:a16="http://schemas.microsoft.com/office/drawing/2014/main" id="{8ECE1DD6-39A0-C6EC-B65E-7E1AD3626FB3}"/>
+                <a16:creationId xmlns:a16="http://schemas.microsoft.com/office/drawing/2014/main" id="{6B9F61D3-404D-B94D-1EB8-25E2EF9D2600}"/>
               </a:ext>
             </a:extLst>
           </p:cNvPr>
@@ -306,7 +306,7 @@
           <a:bodyPr/>
           <a:lstStyle/>
           <a:p>
-            <a:fld id="{E284D83E-995F-4B98-9601-A1A063E3D70D}" type="slidenum">
+            <a:fld id="{2D8E30F6-D446-41DD-8828-71AB01E6C13F}" type="slidenum">
               <a:rPr lang="zh-CN" altLang="en-US" smtClean="0"/>
               <a:t>‹#›</a:t>
             </a:fld>
@@ -317,7 +317,7 @@
     </p:spTree>
     <p:extLst>
       <p:ext uri="{BB962C8B-B14F-4D97-AF65-F5344CB8AC3E}">
-        <p14:creationId xmlns:p14="http://schemas.microsoft.com/office/powerpoint/2010/main" val="2819984688"/>
+        <p14:creationId xmlns:p14="http://schemas.microsoft.com/office/powerpoint/2010/main" val="2098787364"/>
       </p:ext>
     </p:extLst>
   </p:cSld>
@@ -349,7 +349,7 @@
           <p:cNvPr id="2" name="标题 1">
             <a:extLst>
               <a:ext uri="{FF2B5EF4-FFF2-40B4-BE49-F238E27FC236}">
-                <a16:creationId xmlns:a16="http://schemas.microsoft.com/office/drawing/2014/main" id="{C4A1D6D2-AA0E-CDBC-04A4-CA79DC0E4C14}"/>
+                <a16:creationId xmlns:a16="http://schemas.microsoft.com/office/drawing/2014/main" id="{39DB9B4C-BA44-DF33-43C5-3788A83D5A5E}"/>
               </a:ext>
             </a:extLst>
           </p:cNvPr>
@@ -377,7 +377,7 @@
           <p:cNvPr id="3" name="竖排文字占位符 2">
             <a:extLst>
               <a:ext uri="{FF2B5EF4-FFF2-40B4-BE49-F238E27FC236}">
-                <a16:creationId xmlns:a16="http://schemas.microsoft.com/office/drawing/2014/main" id="{0C4F0F7D-B5F1-03C6-3463-928FF1A4A2B9}"/>
+                <a16:creationId xmlns:a16="http://schemas.microsoft.com/office/drawing/2014/main" id="{BC711C65-54ED-E72F-B013-8CB5628EB8C8}"/>
               </a:ext>
             </a:extLst>
           </p:cNvPr>
@@ -434,7 +434,7 @@
           <p:cNvPr id="4" name="日期占位符 3">
             <a:extLst>
               <a:ext uri="{FF2B5EF4-FFF2-40B4-BE49-F238E27FC236}">
-                <a16:creationId xmlns:a16="http://schemas.microsoft.com/office/drawing/2014/main" id="{AB7731F8-6A73-C893-A72F-4D03D9FE322D}"/>
+                <a16:creationId xmlns:a16="http://schemas.microsoft.com/office/drawing/2014/main" id="{3FD9DB82-4198-FEE6-EE61-43573D450313}"/>
               </a:ext>
             </a:extLst>
           </p:cNvPr>
@@ -450,7 +450,7 @@
           <a:bodyPr/>
           <a:lstStyle/>
           <a:p>
-            <a:fld id="{ABC3D9A0-6FCC-4B4B-8747-056AC05B9C21}" type="datetimeFigureOut">
+            <a:fld id="{F88E6C72-7A11-4FCF-B3A7-1281951D6622}" type="datetimeFigureOut">
               <a:rPr lang="zh-CN" altLang="en-US" smtClean="0"/>
               <a:t>2024/3/10</a:t>
             </a:fld>
@@ -463,7 +463,7 @@
           <p:cNvPr id="5" name="页脚占位符 4">
             <a:extLst>
               <a:ext uri="{FF2B5EF4-FFF2-40B4-BE49-F238E27FC236}">
-                <a16:creationId xmlns:a16="http://schemas.microsoft.com/office/drawing/2014/main" id="{5C77737C-3B97-AB8F-83B2-6728497D3DA3}"/>
+                <a16:creationId xmlns:a16="http://schemas.microsoft.com/office/drawing/2014/main" id="{20238D69-FF2C-3295-D0BA-12BF25A93B8B}"/>
               </a:ext>
             </a:extLst>
           </p:cNvPr>
@@ -488,7 +488,7 @@
           <p:cNvPr id="6" name="灯片编号占位符 5">
             <a:extLst>
               <a:ext uri="{FF2B5EF4-FFF2-40B4-BE49-F238E27FC236}">
-                <a16:creationId xmlns:a16="http://schemas.microsoft.com/office/drawing/2014/main" id="{049654F3-EE6F-0DC9-C22D-30DC332E9913}"/>
+                <a16:creationId xmlns:a16="http://schemas.microsoft.com/office/drawing/2014/main" id="{61A98627-6059-B8A6-4338-640A03C09A86}"/>
               </a:ext>
             </a:extLst>
           </p:cNvPr>
@@ -504,7 +504,7 @@
           <a:bodyPr/>
           <a:lstStyle/>
           <a:p>
-            <a:fld id="{E284D83E-995F-4B98-9601-A1A063E3D70D}" type="slidenum">
+            <a:fld id="{2D8E30F6-D446-41DD-8828-71AB01E6C13F}" type="slidenum">
               <a:rPr lang="zh-CN" altLang="en-US" smtClean="0"/>
               <a:t>‹#›</a:t>
             </a:fld>
@@ -515,7 +515,7 @@
     </p:spTree>
     <p:extLst>
       <p:ext uri="{BB962C8B-B14F-4D97-AF65-F5344CB8AC3E}">
-        <p14:creationId xmlns:p14="http://schemas.microsoft.com/office/powerpoint/2010/main" val="3254081723"/>
+        <p14:creationId xmlns:p14="http://schemas.microsoft.com/office/powerpoint/2010/main" val="2147098481"/>
       </p:ext>
     </p:extLst>
   </p:cSld>
@@ -547,7 +547,7 @@
           <p:cNvPr id="2" name="竖排标题 1">
             <a:extLst>
               <a:ext uri="{FF2B5EF4-FFF2-40B4-BE49-F238E27FC236}">
-                <a16:creationId xmlns:a16="http://schemas.microsoft.com/office/drawing/2014/main" id="{D27E9336-8476-791D-75A4-8E3DD9F49E7C}"/>
+                <a16:creationId xmlns:a16="http://schemas.microsoft.com/office/drawing/2014/main" id="{4AB769C4-D234-DAE7-604A-DCC185651CEA}"/>
               </a:ext>
             </a:extLst>
           </p:cNvPr>
@@ -580,7 +580,7 @@
           <p:cNvPr id="3" name="竖排文字占位符 2">
             <a:extLst>
               <a:ext uri="{FF2B5EF4-FFF2-40B4-BE49-F238E27FC236}">
-                <a16:creationId xmlns:a16="http://schemas.microsoft.com/office/drawing/2014/main" id="{391E0979-7C5B-6484-3084-159311EEE730}"/>
+                <a16:creationId xmlns:a16="http://schemas.microsoft.com/office/drawing/2014/main" id="{B6ADFAEC-0E31-4993-B8BD-6B55D3A67C87}"/>
               </a:ext>
             </a:extLst>
           </p:cNvPr>
@@ -642,7 +642,7 @@
           <p:cNvPr id="4" name="日期占位符 3">
             <a:extLst>
               <a:ext uri="{FF2B5EF4-FFF2-40B4-BE49-F238E27FC236}">
-                <a16:creationId xmlns:a16="http://schemas.microsoft.com/office/drawing/2014/main" id="{87016CD4-E650-6BCC-32C8-5F133B954CE6}"/>
+                <a16:creationId xmlns:a16="http://schemas.microsoft.com/office/drawing/2014/main" id="{29C0BA37-A909-C4A9-AB5A-8676B9E5343E}"/>
               </a:ext>
             </a:extLst>
           </p:cNvPr>
@@ -658,7 +658,7 @@
           <a:bodyPr/>
           <a:lstStyle/>
           <a:p>
-            <a:fld id="{ABC3D9A0-6FCC-4B4B-8747-056AC05B9C21}" type="datetimeFigureOut">
+            <a:fld id="{F88E6C72-7A11-4FCF-B3A7-1281951D6622}" type="datetimeFigureOut">
               <a:rPr lang="zh-CN" altLang="en-US" smtClean="0"/>
               <a:t>2024/3/10</a:t>
             </a:fld>
@@ -671,7 +671,7 @@
           <p:cNvPr id="5" name="页脚占位符 4">
             <a:extLst>
               <a:ext uri="{FF2B5EF4-FFF2-40B4-BE49-F238E27FC236}">
-                <a16:creationId xmlns:a16="http://schemas.microsoft.com/office/drawing/2014/main" id="{9DAD3817-4011-A353-B7DC-B9894BD0B96F}"/>
+                <a16:creationId xmlns:a16="http://schemas.microsoft.com/office/drawing/2014/main" id="{6AEBAD74-C715-21D0-F313-27690977344D}"/>
               </a:ext>
             </a:extLst>
           </p:cNvPr>
@@ -696,7 +696,7 @@
           <p:cNvPr id="6" name="灯片编号占位符 5">
             <a:extLst>
               <a:ext uri="{FF2B5EF4-FFF2-40B4-BE49-F238E27FC236}">
-                <a16:creationId xmlns:a16="http://schemas.microsoft.com/office/drawing/2014/main" id="{CC50006B-7B79-F524-1896-4426644DCF87}"/>
+                <a16:creationId xmlns:a16="http://schemas.microsoft.com/office/drawing/2014/main" id="{743A55A4-C389-B6B1-A8F5-C58A81BBB5EB}"/>
               </a:ext>
             </a:extLst>
           </p:cNvPr>
@@ -712,7 +712,7 @@
           <a:bodyPr/>
           <a:lstStyle/>
           <a:p>
-            <a:fld id="{E284D83E-995F-4B98-9601-A1A063E3D70D}" type="slidenum">
+            <a:fld id="{2D8E30F6-D446-41DD-8828-71AB01E6C13F}" type="slidenum">
               <a:rPr lang="zh-CN" altLang="en-US" smtClean="0"/>
               <a:t>‹#›</a:t>
             </a:fld>
@@ -723,7 +723,7 @@
     </p:spTree>
     <p:extLst>
       <p:ext uri="{BB962C8B-B14F-4D97-AF65-F5344CB8AC3E}">
-        <p14:creationId xmlns:p14="http://schemas.microsoft.com/office/powerpoint/2010/main" val="2640752553"/>
+        <p14:creationId xmlns:p14="http://schemas.microsoft.com/office/powerpoint/2010/main" val="137978467"/>
       </p:ext>
     </p:extLst>
   </p:cSld>
@@ -755,7 +755,7 @@
           <p:cNvPr id="2" name="标题 1">
             <a:extLst>
               <a:ext uri="{FF2B5EF4-FFF2-40B4-BE49-F238E27FC236}">
-                <a16:creationId xmlns:a16="http://schemas.microsoft.com/office/drawing/2014/main" id="{DD996FE4-D68A-01A1-13E2-4B49D6EE3C52}"/>
+                <a16:creationId xmlns:a16="http://schemas.microsoft.com/office/drawing/2014/main" id="{50D887DA-E945-B5C9-3B1A-7D914ABE9E02}"/>
               </a:ext>
             </a:extLst>
           </p:cNvPr>
@@ -783,7 +783,7 @@
           <p:cNvPr id="3" name="内容占位符 2">
             <a:extLst>
               <a:ext uri="{FF2B5EF4-FFF2-40B4-BE49-F238E27FC236}">
-                <a16:creationId xmlns:a16="http://schemas.microsoft.com/office/drawing/2014/main" id="{B2A6732D-0853-2692-2B0D-63DF286D7504}"/>
+                <a16:creationId xmlns:a16="http://schemas.microsoft.com/office/drawing/2014/main" id="{B80E2EBD-5C59-9154-4EC2-4310E89388C8}"/>
               </a:ext>
             </a:extLst>
           </p:cNvPr>
@@ -840,7 +840,7 @@
           <p:cNvPr id="4" name="日期占位符 3">
             <a:extLst>
               <a:ext uri="{FF2B5EF4-FFF2-40B4-BE49-F238E27FC236}">
-                <a16:creationId xmlns:a16="http://schemas.microsoft.com/office/drawing/2014/main" id="{2D5C818D-53D3-85B3-6E60-F2BF68B32874}"/>
+                <a16:creationId xmlns:a16="http://schemas.microsoft.com/office/drawing/2014/main" id="{384EA5D1-3EE4-F1BC-FB2C-35A5FB928D42}"/>
               </a:ext>
             </a:extLst>
           </p:cNvPr>
@@ -856,7 +856,7 @@
           <a:bodyPr/>
           <a:lstStyle/>
           <a:p>
-            <a:fld id="{ABC3D9A0-6FCC-4B4B-8747-056AC05B9C21}" type="datetimeFigureOut">
+            <a:fld id="{F88E6C72-7A11-4FCF-B3A7-1281951D6622}" type="datetimeFigureOut">
               <a:rPr lang="zh-CN" altLang="en-US" smtClean="0"/>
               <a:t>2024/3/10</a:t>
             </a:fld>
@@ -869,7 +869,7 @@
           <p:cNvPr id="5" name="页脚占位符 4">
             <a:extLst>
               <a:ext uri="{FF2B5EF4-FFF2-40B4-BE49-F238E27FC236}">
-                <a16:creationId xmlns:a16="http://schemas.microsoft.com/office/drawing/2014/main" id="{36F588FD-5272-F8A7-9EE2-577A9A28306A}"/>
+                <a16:creationId xmlns:a16="http://schemas.microsoft.com/office/drawing/2014/main" id="{AF326864-B0B7-6D93-32B8-0242401CE129}"/>
               </a:ext>
             </a:extLst>
           </p:cNvPr>
@@ -894,7 +894,7 @@
           <p:cNvPr id="6" name="灯片编号占位符 5">
             <a:extLst>
               <a:ext uri="{FF2B5EF4-FFF2-40B4-BE49-F238E27FC236}">
-                <a16:creationId xmlns:a16="http://schemas.microsoft.com/office/drawing/2014/main" id="{DD66C054-DC16-3132-5ABC-41291CB729AE}"/>
+                <a16:creationId xmlns:a16="http://schemas.microsoft.com/office/drawing/2014/main" id="{6D09E4DA-EE6A-294C-B9FE-FCC54BC890F1}"/>
               </a:ext>
             </a:extLst>
           </p:cNvPr>
@@ -910,7 +910,7 @@
           <a:bodyPr/>
           <a:lstStyle/>
           <a:p>
-            <a:fld id="{E284D83E-995F-4B98-9601-A1A063E3D70D}" type="slidenum">
+            <a:fld id="{2D8E30F6-D446-41DD-8828-71AB01E6C13F}" type="slidenum">
               <a:rPr lang="zh-CN" altLang="en-US" smtClean="0"/>
               <a:t>‹#›</a:t>
             </a:fld>
@@ -921,7 +921,7 @@
     </p:spTree>
     <p:extLst>
       <p:ext uri="{BB962C8B-B14F-4D97-AF65-F5344CB8AC3E}">
-        <p14:creationId xmlns:p14="http://schemas.microsoft.com/office/powerpoint/2010/main" val="2571964294"/>
+        <p14:creationId xmlns:p14="http://schemas.microsoft.com/office/powerpoint/2010/main" val="1959392400"/>
       </p:ext>
     </p:extLst>
   </p:cSld>
@@ -953,7 +953,7 @@
           <p:cNvPr id="2" name="标题 1">
             <a:extLst>
               <a:ext uri="{FF2B5EF4-FFF2-40B4-BE49-F238E27FC236}">
-                <a16:creationId xmlns:a16="http://schemas.microsoft.com/office/drawing/2014/main" id="{517B7C5F-2980-3949-DC3C-2042BF41D372}"/>
+                <a16:creationId xmlns:a16="http://schemas.microsoft.com/office/drawing/2014/main" id="{114A9E79-0062-E72C-3AB1-9B4C6C3E8F2A}"/>
               </a:ext>
             </a:extLst>
           </p:cNvPr>
@@ -990,7 +990,7 @@
           <p:cNvPr id="3" name="文本占位符 2">
             <a:extLst>
               <a:ext uri="{FF2B5EF4-FFF2-40B4-BE49-F238E27FC236}">
-                <a16:creationId xmlns:a16="http://schemas.microsoft.com/office/drawing/2014/main" id="{B8E40528-6E76-F49A-767C-D5FA6AC11533}"/>
+                <a16:creationId xmlns:a16="http://schemas.microsoft.com/office/drawing/2014/main" id="{451006EF-352C-7A46-D93A-F200CF560A21}"/>
               </a:ext>
             </a:extLst>
           </p:cNvPr>
@@ -1115,7 +1115,7 @@
           <p:cNvPr id="4" name="日期占位符 3">
             <a:extLst>
               <a:ext uri="{FF2B5EF4-FFF2-40B4-BE49-F238E27FC236}">
-                <a16:creationId xmlns:a16="http://schemas.microsoft.com/office/drawing/2014/main" id="{07CB9FE8-3AD1-4EF8-7CB6-2DA89985757F}"/>
+                <a16:creationId xmlns:a16="http://schemas.microsoft.com/office/drawing/2014/main" id="{671753BA-7752-0C68-E317-B916ECFDEDC3}"/>
               </a:ext>
             </a:extLst>
           </p:cNvPr>
@@ -1131,7 +1131,7 @@
           <a:bodyPr/>
           <a:lstStyle/>
           <a:p>
-            <a:fld id="{ABC3D9A0-6FCC-4B4B-8747-056AC05B9C21}" type="datetimeFigureOut">
+            <a:fld id="{F88E6C72-7A11-4FCF-B3A7-1281951D6622}" type="datetimeFigureOut">
               <a:rPr lang="zh-CN" altLang="en-US" smtClean="0"/>
               <a:t>2024/3/10</a:t>
             </a:fld>
@@ -1144,7 +1144,7 @@
           <p:cNvPr id="5" name="页脚占位符 4">
             <a:extLst>
               <a:ext uri="{FF2B5EF4-FFF2-40B4-BE49-F238E27FC236}">
-                <a16:creationId xmlns:a16="http://schemas.microsoft.com/office/drawing/2014/main" id="{1B061CBF-A4B3-0BEF-22BA-0DE06BA6C997}"/>
+                <a16:creationId xmlns:a16="http://schemas.microsoft.com/office/drawing/2014/main" id="{F4648006-00C1-BE7F-336C-AB9A5B35815D}"/>
               </a:ext>
             </a:extLst>
           </p:cNvPr>
@@ -1169,7 +1169,7 @@
           <p:cNvPr id="6" name="灯片编号占位符 5">
             <a:extLst>
               <a:ext uri="{FF2B5EF4-FFF2-40B4-BE49-F238E27FC236}">
-                <a16:creationId xmlns:a16="http://schemas.microsoft.com/office/drawing/2014/main" id="{B451AB38-F7E3-12C9-6C6A-7F951144A8E6}"/>
+                <a16:creationId xmlns:a16="http://schemas.microsoft.com/office/drawing/2014/main" id="{B091ED56-EB47-CF55-0DB1-4233D0CBB375}"/>
               </a:ext>
             </a:extLst>
           </p:cNvPr>
@@ -1185,7 +1185,7 @@
           <a:bodyPr/>
           <a:lstStyle/>
           <a:p>
-            <a:fld id="{E284D83E-995F-4B98-9601-A1A063E3D70D}" type="slidenum">
+            <a:fld id="{2D8E30F6-D446-41DD-8828-71AB01E6C13F}" type="slidenum">
               <a:rPr lang="zh-CN" altLang="en-US" smtClean="0"/>
               <a:t>‹#›</a:t>
             </a:fld>
@@ -1196,7 +1196,7 @@
     </p:spTree>
     <p:extLst>
       <p:ext uri="{BB962C8B-B14F-4D97-AF65-F5344CB8AC3E}">
-        <p14:creationId xmlns:p14="http://schemas.microsoft.com/office/powerpoint/2010/main" val="3353277994"/>
+        <p14:creationId xmlns:p14="http://schemas.microsoft.com/office/powerpoint/2010/main" val="4275997242"/>
       </p:ext>
     </p:extLst>
   </p:cSld>
@@ -1228,7 +1228,7 @@
           <p:cNvPr id="2" name="标题 1">
             <a:extLst>
               <a:ext uri="{FF2B5EF4-FFF2-40B4-BE49-F238E27FC236}">
-                <a16:creationId xmlns:a16="http://schemas.microsoft.com/office/drawing/2014/main" id="{57C839C6-D2BD-5190-E88E-664AF4845972}"/>
+                <a16:creationId xmlns:a16="http://schemas.microsoft.com/office/drawing/2014/main" id="{A72E9037-16D9-5201-8718-2D8AC6731298}"/>
               </a:ext>
             </a:extLst>
           </p:cNvPr>
@@ -1256,7 +1256,7 @@
           <p:cNvPr id="3" name="内容占位符 2">
             <a:extLst>
               <a:ext uri="{FF2B5EF4-FFF2-40B4-BE49-F238E27FC236}">
-                <a16:creationId xmlns:a16="http://schemas.microsoft.com/office/drawing/2014/main" id="{3923981C-ADEB-90EE-439B-08379B7CC0BF}"/>
+                <a16:creationId xmlns:a16="http://schemas.microsoft.com/office/drawing/2014/main" id="{CFC7F7F7-3499-05C8-68AD-A63B00CC9D92}"/>
               </a:ext>
             </a:extLst>
           </p:cNvPr>
@@ -1318,7 +1318,7 @@
           <p:cNvPr id="4" name="内容占位符 3">
             <a:extLst>
               <a:ext uri="{FF2B5EF4-FFF2-40B4-BE49-F238E27FC236}">
-                <a16:creationId xmlns:a16="http://schemas.microsoft.com/office/drawing/2014/main" id="{4207AD32-F42C-018E-E7FE-1A748F040C55}"/>
+                <a16:creationId xmlns:a16="http://schemas.microsoft.com/office/drawing/2014/main" id="{62FCADAD-EDCB-AE9E-7B9E-B7157CF26D66}"/>
               </a:ext>
             </a:extLst>
           </p:cNvPr>
@@ -1380,7 +1380,7 @@
           <p:cNvPr id="5" name="日期占位符 4">
             <a:extLst>
               <a:ext uri="{FF2B5EF4-FFF2-40B4-BE49-F238E27FC236}">
-                <a16:creationId xmlns:a16="http://schemas.microsoft.com/office/drawing/2014/main" id="{0ABA8D3B-E75F-57B6-2377-C5EDD67193A6}"/>
+                <a16:creationId xmlns:a16="http://schemas.microsoft.com/office/drawing/2014/main" id="{635F70F5-1F13-76FC-8BDF-77F575465ACE}"/>
               </a:ext>
             </a:extLst>
           </p:cNvPr>
@@ -1396,7 +1396,7 @@
           <a:bodyPr/>
           <a:lstStyle/>
           <a:p>
-            <a:fld id="{ABC3D9A0-6FCC-4B4B-8747-056AC05B9C21}" type="datetimeFigureOut">
+            <a:fld id="{F88E6C72-7A11-4FCF-B3A7-1281951D6622}" type="datetimeFigureOut">
               <a:rPr lang="zh-CN" altLang="en-US" smtClean="0"/>
               <a:t>2024/3/10</a:t>
             </a:fld>
@@ -1409,7 +1409,7 @@
           <p:cNvPr id="6" name="页脚占位符 5">
             <a:extLst>
               <a:ext uri="{FF2B5EF4-FFF2-40B4-BE49-F238E27FC236}">
-                <a16:creationId xmlns:a16="http://schemas.microsoft.com/office/drawing/2014/main" id="{93470A98-ECEF-8090-20E3-560DAAB05825}"/>
+                <a16:creationId xmlns:a16="http://schemas.microsoft.com/office/drawing/2014/main" id="{39BB4464-8289-DC4A-A5C4-47EF03D49EA0}"/>
               </a:ext>
             </a:extLst>
           </p:cNvPr>
@@ -1434,7 +1434,7 @@
           <p:cNvPr id="7" name="灯片编号占位符 6">
             <a:extLst>
               <a:ext uri="{FF2B5EF4-FFF2-40B4-BE49-F238E27FC236}">
-                <a16:creationId xmlns:a16="http://schemas.microsoft.com/office/drawing/2014/main" id="{94730969-4698-83BC-1A4F-9E455B96235E}"/>
+                <a16:creationId xmlns:a16="http://schemas.microsoft.com/office/drawing/2014/main" id="{F8F62A42-6544-403B-CA0D-BCC586842673}"/>
               </a:ext>
             </a:extLst>
           </p:cNvPr>
@@ -1450,7 +1450,7 @@
           <a:bodyPr/>
           <a:lstStyle/>
           <a:p>
-            <a:fld id="{E284D83E-995F-4B98-9601-A1A063E3D70D}" type="slidenum">
+            <a:fld id="{2D8E30F6-D446-41DD-8828-71AB01E6C13F}" type="slidenum">
               <a:rPr lang="zh-CN" altLang="en-US" smtClean="0"/>
               <a:t>‹#›</a:t>
             </a:fld>
@@ -1461,7 +1461,7 @@
     </p:spTree>
     <p:extLst>
       <p:ext uri="{BB962C8B-B14F-4D97-AF65-F5344CB8AC3E}">
-        <p14:creationId xmlns:p14="http://schemas.microsoft.com/office/powerpoint/2010/main" val="194185355"/>
+        <p14:creationId xmlns:p14="http://schemas.microsoft.com/office/powerpoint/2010/main" val="3686441407"/>
       </p:ext>
     </p:extLst>
   </p:cSld>
@@ -1493,7 +1493,7 @@
           <p:cNvPr id="2" name="标题 1">
             <a:extLst>
               <a:ext uri="{FF2B5EF4-FFF2-40B4-BE49-F238E27FC236}">
-                <a16:creationId xmlns:a16="http://schemas.microsoft.com/office/drawing/2014/main" id="{48EDA406-D401-7AAB-DD7A-0AA63D38AC0A}"/>
+                <a16:creationId xmlns:a16="http://schemas.microsoft.com/office/drawing/2014/main" id="{AE4DBC72-5D32-DE2A-CEB4-FCD4D3F2CDE9}"/>
               </a:ext>
             </a:extLst>
           </p:cNvPr>
@@ -1526,7 +1526,7 @@
           <p:cNvPr id="3" name="文本占位符 2">
             <a:extLst>
               <a:ext uri="{FF2B5EF4-FFF2-40B4-BE49-F238E27FC236}">
-                <a16:creationId xmlns:a16="http://schemas.microsoft.com/office/drawing/2014/main" id="{46CF351F-19AE-A892-CF17-6F4BD61E3B5A}"/>
+                <a16:creationId xmlns:a16="http://schemas.microsoft.com/office/drawing/2014/main" id="{DB58D5A8-891D-8D01-5747-D2A51B4B844E}"/>
               </a:ext>
             </a:extLst>
           </p:cNvPr>
@@ -1597,7 +1597,7 @@
           <p:cNvPr id="4" name="内容占位符 3">
             <a:extLst>
               <a:ext uri="{FF2B5EF4-FFF2-40B4-BE49-F238E27FC236}">
-                <a16:creationId xmlns:a16="http://schemas.microsoft.com/office/drawing/2014/main" id="{D4A6E1E1-8BBF-CB22-AB35-975A2E35F530}"/>
+                <a16:creationId xmlns:a16="http://schemas.microsoft.com/office/drawing/2014/main" id="{FC62AE29-DC46-3D88-259D-D5E15B9B3B55}"/>
               </a:ext>
             </a:extLst>
           </p:cNvPr>
@@ -1659,7 +1659,7 @@
           <p:cNvPr id="5" name="文本占位符 4">
             <a:extLst>
               <a:ext uri="{FF2B5EF4-FFF2-40B4-BE49-F238E27FC236}">
-                <a16:creationId xmlns:a16="http://schemas.microsoft.com/office/drawing/2014/main" id="{E5CADA7A-B168-CBA9-362C-285E73BDC7A3}"/>
+                <a16:creationId xmlns:a16="http://schemas.microsoft.com/office/drawing/2014/main" id="{96474FDF-6388-80AF-EF96-4FC60F5E13F9}"/>
               </a:ext>
             </a:extLst>
           </p:cNvPr>
@@ -1730,7 +1730,7 @@
           <p:cNvPr id="6" name="内容占位符 5">
             <a:extLst>
               <a:ext uri="{FF2B5EF4-FFF2-40B4-BE49-F238E27FC236}">
-                <a16:creationId xmlns:a16="http://schemas.microsoft.com/office/drawing/2014/main" id="{C67930DC-0B42-6E94-F8CE-249487D4F2FD}"/>
+                <a16:creationId xmlns:a16="http://schemas.microsoft.com/office/drawing/2014/main" id="{28BFC1CF-7C0B-2749-B112-F343118E8767}"/>
               </a:ext>
             </a:extLst>
           </p:cNvPr>
@@ -1792,7 +1792,7 @@
           <p:cNvPr id="7" name="日期占位符 6">
             <a:extLst>
               <a:ext uri="{FF2B5EF4-FFF2-40B4-BE49-F238E27FC236}">
-                <a16:creationId xmlns:a16="http://schemas.microsoft.com/office/drawing/2014/main" id="{A0E18192-CC92-0EC4-C585-A52559E3F2CC}"/>
+                <a16:creationId xmlns:a16="http://schemas.microsoft.com/office/drawing/2014/main" id="{BDF52695-5285-0624-0394-644B6F2B017A}"/>
               </a:ext>
             </a:extLst>
           </p:cNvPr>
@@ -1808,7 +1808,7 @@
           <a:bodyPr/>
           <a:lstStyle/>
           <a:p>
-            <a:fld id="{ABC3D9A0-6FCC-4B4B-8747-056AC05B9C21}" type="datetimeFigureOut">
+            <a:fld id="{F88E6C72-7A11-4FCF-B3A7-1281951D6622}" type="datetimeFigureOut">
               <a:rPr lang="zh-CN" altLang="en-US" smtClean="0"/>
               <a:t>2024/3/10</a:t>
             </a:fld>
@@ -1821,7 +1821,7 @@
           <p:cNvPr id="8" name="页脚占位符 7">
             <a:extLst>
               <a:ext uri="{FF2B5EF4-FFF2-40B4-BE49-F238E27FC236}">
-                <a16:creationId xmlns:a16="http://schemas.microsoft.com/office/drawing/2014/main" id="{4BC2809E-A230-DCE5-1E5C-B52F02CA06BF}"/>
+                <a16:creationId xmlns:a16="http://schemas.microsoft.com/office/drawing/2014/main" id="{02AE2F85-39A9-D52C-9518-FC0213F5BCAC}"/>
               </a:ext>
             </a:extLst>
           </p:cNvPr>
@@ -1846,7 +1846,7 @@
           <p:cNvPr id="9" name="灯片编号占位符 8">
             <a:extLst>
               <a:ext uri="{FF2B5EF4-FFF2-40B4-BE49-F238E27FC236}">
-                <a16:creationId xmlns:a16="http://schemas.microsoft.com/office/drawing/2014/main" id="{B5B26362-2566-FEF1-5A4B-CD130C6C3188}"/>
+                <a16:creationId xmlns:a16="http://schemas.microsoft.com/office/drawing/2014/main" id="{A528536B-1CDD-0D18-9956-9262002E924A}"/>
               </a:ext>
             </a:extLst>
           </p:cNvPr>
@@ -1862,7 +1862,7 @@
           <a:bodyPr/>
           <a:lstStyle/>
           <a:p>
-            <a:fld id="{E284D83E-995F-4B98-9601-A1A063E3D70D}" type="slidenum">
+            <a:fld id="{2D8E30F6-D446-41DD-8828-71AB01E6C13F}" type="slidenum">
               <a:rPr lang="zh-CN" altLang="en-US" smtClean="0"/>
               <a:t>‹#›</a:t>
             </a:fld>
@@ -1873,7 +1873,7 @@
     </p:spTree>
     <p:extLst>
       <p:ext uri="{BB962C8B-B14F-4D97-AF65-F5344CB8AC3E}">
-        <p14:creationId xmlns:p14="http://schemas.microsoft.com/office/powerpoint/2010/main" val="2104559472"/>
+        <p14:creationId xmlns:p14="http://schemas.microsoft.com/office/powerpoint/2010/main" val="2006246814"/>
       </p:ext>
     </p:extLst>
   </p:cSld>
@@ -1905,7 +1905,7 @@
           <p:cNvPr id="2" name="标题 1">
             <a:extLst>
               <a:ext uri="{FF2B5EF4-FFF2-40B4-BE49-F238E27FC236}">
-                <a16:creationId xmlns:a16="http://schemas.microsoft.com/office/drawing/2014/main" id="{F2BEE81D-6979-2625-930A-BE2FDC9F9296}"/>
+                <a16:creationId xmlns:a16="http://schemas.microsoft.com/office/drawing/2014/main" id="{4F539D31-6C4B-F8BD-EFF0-D7E3CB9ED73E}"/>
               </a:ext>
             </a:extLst>
           </p:cNvPr>
@@ -1933,7 +1933,7 @@
           <p:cNvPr id="3" name="日期占位符 2">
             <a:extLst>
               <a:ext uri="{FF2B5EF4-FFF2-40B4-BE49-F238E27FC236}">
-                <a16:creationId xmlns:a16="http://schemas.microsoft.com/office/drawing/2014/main" id="{6D7E2032-2D72-81EC-D0D4-6CC42BA45BB5}"/>
+                <a16:creationId xmlns:a16="http://schemas.microsoft.com/office/drawing/2014/main" id="{1203AFBB-1FDA-1122-987F-6DC1376B2C89}"/>
               </a:ext>
             </a:extLst>
           </p:cNvPr>
@@ -1949,7 +1949,7 @@
           <a:bodyPr/>
           <a:lstStyle/>
           <a:p>
-            <a:fld id="{ABC3D9A0-6FCC-4B4B-8747-056AC05B9C21}" type="datetimeFigureOut">
+            <a:fld id="{F88E6C72-7A11-4FCF-B3A7-1281951D6622}" type="datetimeFigureOut">
               <a:rPr lang="zh-CN" altLang="en-US" smtClean="0"/>
               <a:t>2024/3/10</a:t>
             </a:fld>
@@ -1962,7 +1962,7 @@
           <p:cNvPr id="4" name="页脚占位符 3">
             <a:extLst>
               <a:ext uri="{FF2B5EF4-FFF2-40B4-BE49-F238E27FC236}">
-                <a16:creationId xmlns:a16="http://schemas.microsoft.com/office/drawing/2014/main" id="{C0932648-2F30-B6E8-307A-4228D7E1B2AD}"/>
+                <a16:creationId xmlns:a16="http://schemas.microsoft.com/office/drawing/2014/main" id="{DF812794-9377-09D2-FFB1-3B1360E5F3AB}"/>
               </a:ext>
             </a:extLst>
           </p:cNvPr>
@@ -1987,7 +1987,7 @@
           <p:cNvPr id="5" name="灯片编号占位符 4">
             <a:extLst>
               <a:ext uri="{FF2B5EF4-FFF2-40B4-BE49-F238E27FC236}">
-                <a16:creationId xmlns:a16="http://schemas.microsoft.com/office/drawing/2014/main" id="{71E301FB-D37F-A82B-0032-FD8A4442E728}"/>
+                <a16:creationId xmlns:a16="http://schemas.microsoft.com/office/drawing/2014/main" id="{4248E95D-4B64-9DB2-DAF3-E7541DC3635D}"/>
               </a:ext>
             </a:extLst>
           </p:cNvPr>
@@ -2003,7 +2003,7 @@
           <a:bodyPr/>
           <a:lstStyle/>
           <a:p>
-            <a:fld id="{E284D83E-995F-4B98-9601-A1A063E3D70D}" type="slidenum">
+            <a:fld id="{2D8E30F6-D446-41DD-8828-71AB01E6C13F}" type="slidenum">
               <a:rPr lang="zh-CN" altLang="en-US" smtClean="0"/>
               <a:t>‹#›</a:t>
             </a:fld>
@@ -2014,7 +2014,7 @@
     </p:spTree>
     <p:extLst>
       <p:ext uri="{BB962C8B-B14F-4D97-AF65-F5344CB8AC3E}">
-        <p14:creationId xmlns:p14="http://schemas.microsoft.com/office/powerpoint/2010/main" val="2692757838"/>
+        <p14:creationId xmlns:p14="http://schemas.microsoft.com/office/powerpoint/2010/main" val="175801487"/>
       </p:ext>
     </p:extLst>
   </p:cSld>
@@ -2046,7 +2046,7 @@
           <p:cNvPr id="2" name="日期占位符 1">
             <a:extLst>
               <a:ext uri="{FF2B5EF4-FFF2-40B4-BE49-F238E27FC236}">
-                <a16:creationId xmlns:a16="http://schemas.microsoft.com/office/drawing/2014/main" id="{23EC696F-509D-A62C-AA90-BDB9CA045AE3}"/>
+                <a16:creationId xmlns:a16="http://schemas.microsoft.com/office/drawing/2014/main" id="{01372EE3-D50D-F943-FE88-8BA4AFB4D393}"/>
               </a:ext>
             </a:extLst>
           </p:cNvPr>
@@ -2062,7 +2062,7 @@
           <a:bodyPr/>
           <a:lstStyle/>
           <a:p>
-            <a:fld id="{ABC3D9A0-6FCC-4B4B-8747-056AC05B9C21}" type="datetimeFigureOut">
+            <a:fld id="{F88E6C72-7A11-4FCF-B3A7-1281951D6622}" type="datetimeFigureOut">
               <a:rPr lang="zh-CN" altLang="en-US" smtClean="0"/>
               <a:t>2024/3/10</a:t>
             </a:fld>
@@ -2075,7 +2075,7 @@
           <p:cNvPr id="3" name="页脚占位符 2">
             <a:extLst>
               <a:ext uri="{FF2B5EF4-FFF2-40B4-BE49-F238E27FC236}">
-                <a16:creationId xmlns:a16="http://schemas.microsoft.com/office/drawing/2014/main" id="{09FCD657-FBCF-6AB2-41D7-CA27B3C7CB66}"/>
+                <a16:creationId xmlns:a16="http://schemas.microsoft.com/office/drawing/2014/main" id="{D7351E01-7DA9-FCFC-AE41-32C35FD978E0}"/>
               </a:ext>
             </a:extLst>
           </p:cNvPr>
@@ -2100,7 +2100,7 @@
           <p:cNvPr id="4" name="灯片编号占位符 3">
             <a:extLst>
               <a:ext uri="{FF2B5EF4-FFF2-40B4-BE49-F238E27FC236}">
-                <a16:creationId xmlns:a16="http://schemas.microsoft.com/office/drawing/2014/main" id="{5B13E196-A284-56A7-62D2-C3963D18F6E1}"/>
+                <a16:creationId xmlns:a16="http://schemas.microsoft.com/office/drawing/2014/main" id="{FDBA1D84-CFEE-E118-7498-F7A8E6B562F1}"/>
               </a:ext>
             </a:extLst>
           </p:cNvPr>
@@ -2116,7 +2116,7 @@
           <a:bodyPr/>
           <a:lstStyle/>
           <a:p>
-            <a:fld id="{E284D83E-995F-4B98-9601-A1A063E3D70D}" type="slidenum">
+            <a:fld id="{2D8E30F6-D446-41DD-8828-71AB01E6C13F}" type="slidenum">
               <a:rPr lang="zh-CN" altLang="en-US" smtClean="0"/>
               <a:t>‹#›</a:t>
             </a:fld>
@@ -2127,7 +2127,7 @@
     </p:spTree>
     <p:extLst>
       <p:ext uri="{BB962C8B-B14F-4D97-AF65-F5344CB8AC3E}">
-        <p14:creationId xmlns:p14="http://schemas.microsoft.com/office/powerpoint/2010/main" val="2549095073"/>
+        <p14:creationId xmlns:p14="http://schemas.microsoft.com/office/powerpoint/2010/main" val="2645643183"/>
       </p:ext>
     </p:extLst>
   </p:cSld>
@@ -2159,7 +2159,7 @@
           <p:cNvPr id="2" name="标题 1">
             <a:extLst>
               <a:ext uri="{FF2B5EF4-FFF2-40B4-BE49-F238E27FC236}">
-                <a16:creationId xmlns:a16="http://schemas.microsoft.com/office/drawing/2014/main" id="{DF2F3345-D21F-7962-0071-B2CE93C05A59}"/>
+                <a16:creationId xmlns:a16="http://schemas.microsoft.com/office/drawing/2014/main" id="{DB85955E-A6C1-5EDB-EA08-EFA510F326F9}"/>
               </a:ext>
             </a:extLst>
           </p:cNvPr>
@@ -2196,7 +2196,7 @@
           <p:cNvPr id="3" name="内容占位符 2">
             <a:extLst>
               <a:ext uri="{FF2B5EF4-FFF2-40B4-BE49-F238E27FC236}">
-                <a16:creationId xmlns:a16="http://schemas.microsoft.com/office/drawing/2014/main" id="{892F4310-D409-D863-49C8-963EFB5998E1}"/>
+                <a16:creationId xmlns:a16="http://schemas.microsoft.com/office/drawing/2014/main" id="{59769043-43FC-E03A-2FAB-B34869D5E5C6}"/>
               </a:ext>
             </a:extLst>
           </p:cNvPr>
@@ -2286,7 +2286,7 @@
           <p:cNvPr id="4" name="文本占位符 3">
             <a:extLst>
               <a:ext uri="{FF2B5EF4-FFF2-40B4-BE49-F238E27FC236}">
-                <a16:creationId xmlns:a16="http://schemas.microsoft.com/office/drawing/2014/main" id="{109AD772-0CB3-7B42-D396-EF58EE45C349}"/>
+                <a16:creationId xmlns:a16="http://schemas.microsoft.com/office/drawing/2014/main" id="{F1E6E8A9-7227-9E0D-8C76-ED29FD79F5BC}"/>
               </a:ext>
             </a:extLst>
           </p:cNvPr>
@@ -2357,7 +2357,7 @@
           <p:cNvPr id="5" name="日期占位符 4">
             <a:extLst>
               <a:ext uri="{FF2B5EF4-FFF2-40B4-BE49-F238E27FC236}">
-                <a16:creationId xmlns:a16="http://schemas.microsoft.com/office/drawing/2014/main" id="{D92281EC-D75A-4F3B-2E2B-C7C2B5DB169F}"/>
+                <a16:creationId xmlns:a16="http://schemas.microsoft.com/office/drawing/2014/main" id="{4125BB85-EF1E-D321-188B-DCB8BD160C28}"/>
               </a:ext>
             </a:extLst>
           </p:cNvPr>
@@ -2373,7 +2373,7 @@
           <a:bodyPr/>
           <a:lstStyle/>
           <a:p>
-            <a:fld id="{ABC3D9A0-6FCC-4B4B-8747-056AC05B9C21}" type="datetimeFigureOut">
+            <a:fld id="{F88E6C72-7A11-4FCF-B3A7-1281951D6622}" type="datetimeFigureOut">
               <a:rPr lang="zh-CN" altLang="en-US" smtClean="0"/>
               <a:t>2024/3/10</a:t>
             </a:fld>
@@ -2386,7 +2386,7 @@
           <p:cNvPr id="6" name="页脚占位符 5">
             <a:extLst>
               <a:ext uri="{FF2B5EF4-FFF2-40B4-BE49-F238E27FC236}">
-                <a16:creationId xmlns:a16="http://schemas.microsoft.com/office/drawing/2014/main" id="{84E0174C-70B8-6B5E-ABBA-3B8DFF9FD067}"/>
+                <a16:creationId xmlns:a16="http://schemas.microsoft.com/office/drawing/2014/main" id="{B4216050-B6D9-B21D-50EB-A1CD2AD3C1F2}"/>
               </a:ext>
             </a:extLst>
           </p:cNvPr>
@@ -2411,7 +2411,7 @@
           <p:cNvPr id="7" name="灯片编号占位符 6">
             <a:extLst>
               <a:ext uri="{FF2B5EF4-FFF2-40B4-BE49-F238E27FC236}">
-                <a16:creationId xmlns:a16="http://schemas.microsoft.com/office/drawing/2014/main" id="{42DE6494-1104-C229-7A27-F611DA6ECAD8}"/>
+                <a16:creationId xmlns:a16="http://schemas.microsoft.com/office/drawing/2014/main" id="{F5B608B7-6641-F399-3920-C55980D85299}"/>
               </a:ext>
             </a:extLst>
           </p:cNvPr>
@@ -2427,7 +2427,7 @@
           <a:bodyPr/>
           <a:lstStyle/>
           <a:p>
-            <a:fld id="{E284D83E-995F-4B98-9601-A1A063E3D70D}" type="slidenum">
+            <a:fld id="{2D8E30F6-D446-41DD-8828-71AB01E6C13F}" type="slidenum">
               <a:rPr lang="zh-CN" altLang="en-US" smtClean="0"/>
               <a:t>‹#›</a:t>
             </a:fld>
@@ -2438,7 +2438,7 @@
     </p:spTree>
     <p:extLst>
       <p:ext uri="{BB962C8B-B14F-4D97-AF65-F5344CB8AC3E}">
-        <p14:creationId xmlns:p14="http://schemas.microsoft.com/office/powerpoint/2010/main" val="3642440110"/>
+        <p14:creationId xmlns:p14="http://schemas.microsoft.com/office/powerpoint/2010/main" val="4109901945"/>
       </p:ext>
     </p:extLst>
   </p:cSld>
@@ -2470,7 +2470,7 @@
           <p:cNvPr id="2" name="标题 1">
             <a:extLst>
               <a:ext uri="{FF2B5EF4-FFF2-40B4-BE49-F238E27FC236}">
-                <a16:creationId xmlns:a16="http://schemas.microsoft.com/office/drawing/2014/main" id="{7A297DDB-FB09-B036-B8AC-69BF54AEB0D7}"/>
+                <a16:creationId xmlns:a16="http://schemas.microsoft.com/office/drawing/2014/main" id="{BDF61121-1921-7EA3-6C63-BBA1E69D2D17}"/>
               </a:ext>
             </a:extLst>
           </p:cNvPr>
@@ -2507,7 +2507,7 @@
           <p:cNvPr id="3" name="图片占位符 2">
             <a:extLst>
               <a:ext uri="{FF2B5EF4-FFF2-40B4-BE49-F238E27FC236}">
-                <a16:creationId xmlns:a16="http://schemas.microsoft.com/office/drawing/2014/main" id="{AB0B9412-B4A2-F277-6B27-F977A7DEC1E8}"/>
+                <a16:creationId xmlns:a16="http://schemas.microsoft.com/office/drawing/2014/main" id="{1CC07C60-94D5-AC22-0061-AC0CF6C94226}"/>
               </a:ext>
             </a:extLst>
           </p:cNvPr>
@@ -2574,7 +2574,7 @@
           <p:cNvPr id="4" name="文本占位符 3">
             <a:extLst>
               <a:ext uri="{FF2B5EF4-FFF2-40B4-BE49-F238E27FC236}">
-                <a16:creationId xmlns:a16="http://schemas.microsoft.com/office/drawing/2014/main" id="{E7723213-3CE7-1B5A-6CB7-CA627792352D}"/>
+                <a16:creationId xmlns:a16="http://schemas.microsoft.com/office/drawing/2014/main" id="{31E79356-EFC5-7EDE-4E4B-3780FA951676}"/>
               </a:ext>
             </a:extLst>
           </p:cNvPr>
@@ -2645,7 +2645,7 @@
           <p:cNvPr id="5" name="日期占位符 4">
             <a:extLst>
               <a:ext uri="{FF2B5EF4-FFF2-40B4-BE49-F238E27FC236}">
-                <a16:creationId xmlns:a16="http://schemas.microsoft.com/office/drawing/2014/main" id="{288F82E7-4ED9-4AB1-17A5-566D687AB387}"/>
+                <a16:creationId xmlns:a16="http://schemas.microsoft.com/office/drawing/2014/main" id="{B43A89AA-FEC4-E28D-4B48-CFDDEBEE447D}"/>
               </a:ext>
             </a:extLst>
           </p:cNvPr>
@@ -2661,7 +2661,7 @@
           <a:bodyPr/>
           <a:lstStyle/>
           <a:p>
-            <a:fld id="{ABC3D9A0-6FCC-4B4B-8747-056AC05B9C21}" type="datetimeFigureOut">
+            <a:fld id="{F88E6C72-7A11-4FCF-B3A7-1281951D6622}" type="datetimeFigureOut">
               <a:rPr lang="zh-CN" altLang="en-US" smtClean="0"/>
               <a:t>2024/3/10</a:t>
             </a:fld>
@@ -2674,7 +2674,7 @@
           <p:cNvPr id="6" name="页脚占位符 5">
             <a:extLst>
               <a:ext uri="{FF2B5EF4-FFF2-40B4-BE49-F238E27FC236}">
-                <a16:creationId xmlns:a16="http://schemas.microsoft.com/office/drawing/2014/main" id="{6C866094-4AF2-FCDE-779B-8504DFC99908}"/>
+                <a16:creationId xmlns:a16="http://schemas.microsoft.com/office/drawing/2014/main" id="{3299FEB5-DA3D-E6F6-706E-CFE88B8994CC}"/>
               </a:ext>
             </a:extLst>
           </p:cNvPr>
@@ -2699,7 +2699,7 @@
           <p:cNvPr id="7" name="灯片编号占位符 6">
             <a:extLst>
               <a:ext uri="{FF2B5EF4-FFF2-40B4-BE49-F238E27FC236}">
-                <a16:creationId xmlns:a16="http://schemas.microsoft.com/office/drawing/2014/main" id="{2FF3FDEB-1A73-F5B7-E0BA-2587C51057C5}"/>
+                <a16:creationId xmlns:a16="http://schemas.microsoft.com/office/drawing/2014/main" id="{120FD33D-45A3-663F-BC0B-9521AA3EE4BD}"/>
               </a:ext>
             </a:extLst>
           </p:cNvPr>
@@ -2715,7 +2715,7 @@
           <a:bodyPr/>
           <a:lstStyle/>
           <a:p>
-            <a:fld id="{E284D83E-995F-4B98-9601-A1A063E3D70D}" type="slidenum">
+            <a:fld id="{2D8E30F6-D446-41DD-8828-71AB01E6C13F}" type="slidenum">
               <a:rPr lang="zh-CN" altLang="en-US" smtClean="0"/>
               <a:t>‹#›</a:t>
             </a:fld>
@@ -2726,7 +2726,7 @@
     </p:spTree>
     <p:extLst>
       <p:ext uri="{BB962C8B-B14F-4D97-AF65-F5344CB8AC3E}">
-        <p14:creationId xmlns:p14="http://schemas.microsoft.com/office/powerpoint/2010/main" val="1290912522"/>
+        <p14:creationId xmlns:p14="http://schemas.microsoft.com/office/powerpoint/2010/main" val="2361274399"/>
       </p:ext>
     </p:extLst>
   </p:cSld>
@@ -2763,7 +2763,7 @@
           <p:cNvPr id="2" name="标题占位符 1">
             <a:extLst>
               <a:ext uri="{FF2B5EF4-FFF2-40B4-BE49-F238E27FC236}">
-                <a16:creationId xmlns:a16="http://schemas.microsoft.com/office/drawing/2014/main" id="{0B3F3631-42D1-B0AB-ED99-D59438C0F471}"/>
+                <a16:creationId xmlns:a16="http://schemas.microsoft.com/office/drawing/2014/main" id="{B3EDBF6C-FC2D-7563-A930-618E533F7036}"/>
               </a:ext>
             </a:extLst>
           </p:cNvPr>
@@ -2801,7 +2801,7 @@
           <p:cNvPr id="3" name="文本占位符 2">
             <a:extLst>
               <a:ext uri="{FF2B5EF4-FFF2-40B4-BE49-F238E27FC236}">
-                <a16:creationId xmlns:a16="http://schemas.microsoft.com/office/drawing/2014/main" id="{2A9BAE60-9A9B-A8BE-E689-B353C0F589C9}"/>
+                <a16:creationId xmlns:a16="http://schemas.microsoft.com/office/drawing/2014/main" id="{AECDC72C-5CD0-555D-7407-A3B7251BA1A5}"/>
               </a:ext>
             </a:extLst>
           </p:cNvPr>
@@ -2868,7 +2868,7 @@
           <p:cNvPr id="4" name="日期占位符 3">
             <a:extLst>
               <a:ext uri="{FF2B5EF4-FFF2-40B4-BE49-F238E27FC236}">
-                <a16:creationId xmlns:a16="http://schemas.microsoft.com/office/drawing/2014/main" id="{A8BBB40D-BC85-8703-5B12-16884B953DD3}"/>
+                <a16:creationId xmlns:a16="http://schemas.microsoft.com/office/drawing/2014/main" id="{5CFA2945-4296-E06C-DD8A-B1ED309F6314}"/>
               </a:ext>
             </a:extLst>
           </p:cNvPr>
@@ -2902,7 +2902,7 @@
             </a:lvl1pPr>
           </a:lstStyle>
           <a:p>
-            <a:fld id="{ABC3D9A0-6FCC-4B4B-8747-056AC05B9C21}" type="datetimeFigureOut">
+            <a:fld id="{F88E6C72-7A11-4FCF-B3A7-1281951D6622}" type="datetimeFigureOut">
               <a:rPr lang="zh-CN" altLang="en-US" smtClean="0"/>
               <a:t>2024/3/10</a:t>
             </a:fld>
@@ -2915,7 +2915,7 @@
           <p:cNvPr id="5" name="页脚占位符 4">
             <a:extLst>
               <a:ext uri="{FF2B5EF4-FFF2-40B4-BE49-F238E27FC236}">
-                <a16:creationId xmlns:a16="http://schemas.microsoft.com/office/drawing/2014/main" id="{1A15EA3A-285E-2389-3904-EB3033D0F169}"/>
+                <a16:creationId xmlns:a16="http://schemas.microsoft.com/office/drawing/2014/main" id="{A929542E-5692-7F6A-4221-D999110D6389}"/>
               </a:ext>
             </a:extLst>
           </p:cNvPr>
@@ -2958,7 +2958,7 @@
           <p:cNvPr id="6" name="灯片编号占位符 5">
             <a:extLst>
               <a:ext uri="{FF2B5EF4-FFF2-40B4-BE49-F238E27FC236}">
-                <a16:creationId xmlns:a16="http://schemas.microsoft.com/office/drawing/2014/main" id="{4A9911BC-5FF3-5301-9F03-5302DAB257D5}"/>
+                <a16:creationId xmlns:a16="http://schemas.microsoft.com/office/drawing/2014/main" id="{AADCD654-BEEB-CC8A-AD51-649842DB9540}"/>
               </a:ext>
             </a:extLst>
           </p:cNvPr>
@@ -2992,7 +2992,7 @@
             </a:lvl1pPr>
           </a:lstStyle>
           <a:p>
-            <a:fld id="{E284D83E-995F-4B98-9601-A1A063E3D70D}" type="slidenum">
+            <a:fld id="{2D8E30F6-D446-41DD-8828-71AB01E6C13F}" type="slidenum">
               <a:rPr lang="zh-CN" altLang="en-US" smtClean="0"/>
               <a:t>‹#›</a:t>
             </a:fld>
@@ -3003,7 +3003,7 @@
     </p:spTree>
     <p:extLst>
       <p:ext uri="{BB962C8B-B14F-4D97-AF65-F5344CB8AC3E}">
-        <p14:creationId xmlns:p14="http://schemas.microsoft.com/office/powerpoint/2010/main" val="2652801546"/>
+        <p14:creationId xmlns:p14="http://schemas.microsoft.com/office/powerpoint/2010/main" val="4215149160"/>
       </p:ext>
     </p:extLst>
   </p:cSld>
@@ -3323,7 +3323,7 @@
       </p:grpSpPr>
       <p:pic>
         <p:nvPicPr>
-          <p:cNvPr id="618498" name="Picture 2" descr="603"/>
+          <p:cNvPr id="619522" name="Picture 2" descr="604"/>
           <p:cNvPicPr>
             <a:picLocks noChangeAspect="1" noChangeArrowheads="1"/>
           </p:cNvPicPr>
@@ -3344,8 +3344,8 @@
         </p:blipFill>
         <p:spPr bwMode="auto">
           <a:xfrm>
-            <a:off x="1524000" y="0"/>
-            <a:ext cx="9144000" cy="6858000"/>
+            <a:off x="1524000" y="1"/>
+            <a:ext cx="9144000" cy="6524625"/>
           </a:xfrm>
           <a:prstGeom prst="rect">
             <a:avLst/>
@@ -3375,11 +3375,158 @@
           </a:extLst>
         </p:spPr>
       </p:pic>
+      <p:pic>
+        <p:nvPicPr>
+          <p:cNvPr id="620547" name="Picture 3" descr="604-2"/>
+          <p:cNvPicPr>
+            <a:picLocks noChangeAspect="1" noChangeArrowheads="1"/>
+          </p:cNvPicPr>
+          <p:nvPr/>
+        </p:nvPicPr>
+        <p:blipFill>
+          <a:blip r:embed="rId3">
+            <a:extLst>
+              <a:ext uri="{28A0092B-C50C-407E-A947-70E740481C1C}">
+                <a14:useLocalDpi xmlns:a14="http://schemas.microsoft.com/office/drawing/2010/main" val="0"/>
+              </a:ext>
+            </a:extLst>
+          </a:blip>
+          <a:srcRect/>
+          <a:stretch>
+            <a:fillRect/>
+          </a:stretch>
+        </p:blipFill>
+        <p:spPr bwMode="auto">
+          <a:xfrm>
+            <a:off x="1524000" y="0"/>
+            <a:ext cx="9144000" cy="6597650"/>
+          </a:xfrm>
+          <a:prstGeom prst="rect">
+            <a:avLst/>
+          </a:prstGeom>
+          <a:noFill/>
+          <a:ln>
+            <a:noFill/>
+          </a:ln>
+          <a:effectLst/>
+          <a:extLst>
+            <a:ext uri="{909E8E84-426E-40DD-AFC4-6F175D3DCCD1}">
+              <a14:hiddenFill xmlns:a14="http://schemas.microsoft.com/office/drawing/2010/main">
+                <a:solidFill>
+                  <a:srgbClr val="FFFFFF"/>
+                </a:solidFill>
+              </a14:hiddenFill>
+            </a:ext>
+            <a:ext uri="{91240B29-F687-4F45-9708-019B960494DF}">
+              <a14:hiddenLine xmlns:a14="http://schemas.microsoft.com/office/drawing/2010/main" w="9525">
+                <a:solidFill>
+                  <a:srgbClr val="000000"/>
+                </a:solidFill>
+                <a:miter lim="800000"/>
+                <a:headEnd/>
+                <a:tailEnd/>
+              </a14:hiddenLine>
+            </a:ext>
+            <a:ext uri="{AF507438-7753-43E0-B8FC-AC1667EBCBE1}">
+              <a14:hiddenEffects xmlns:a14="http://schemas.microsoft.com/office/drawing/2010/main">
+                <a:effectLst>
+                  <a:outerShdw dist="35921" dir="2700000" algn="ctr" rotWithShape="0">
+                    <a:srgbClr val="808080"/>
+                  </a:outerShdw>
+                </a:effectLst>
+              </a14:hiddenEffects>
+            </a:ext>
+          </a:extLst>
+        </p:spPr>
+      </p:pic>
     </p:spTree>
   </p:cSld>
   <p:clrMapOvr>
     <a:masterClrMapping/>
   </p:clrMapOvr>
+  <p:timing>
+    <p:tnLst>
+      <p:par>
+        <p:cTn id="1" dur="indefinite" restart="never" nodeType="tmRoot">
+          <p:childTnLst>
+            <p:seq concurrent="1" nextAc="seek">
+              <p:cTn id="2" dur="indefinite" nodeType="mainSeq">
+                <p:childTnLst>
+                  <p:par>
+                    <p:cTn id="3" fill="hold" nodeType="clickPar">
+                      <p:stCondLst>
+                        <p:cond delay="indefinite"/>
+                      </p:stCondLst>
+                      <p:childTnLst>
+                        <p:par>
+                          <p:cTn id="4" fill="hold" nodeType="withGroup">
+                            <p:stCondLst>
+                              <p:cond delay="0"/>
+                            </p:stCondLst>
+                            <p:childTnLst>
+                              <p:par>
+                                <p:cTn id="5" presetID="10" presetClass="entr" presetSubtype="0" fill="hold" nodeType="clickEffect">
+                                  <p:stCondLst>
+                                    <p:cond delay="0"/>
+                                  </p:stCondLst>
+                                  <p:childTnLst>
+                                    <p:set>
+                                      <p:cBhvr>
+                                        <p:cTn id="6" dur="1" fill="hold">
+                                          <p:stCondLst>
+                                            <p:cond delay="0"/>
+                                          </p:stCondLst>
+                                        </p:cTn>
+                                        <p:tgtEl>
+                                          <p:spTgt spid="620547"/>
+                                        </p:tgtEl>
+                                        <p:attrNameLst>
+                                          <p:attrName>style.visibility</p:attrName>
+                                        </p:attrNameLst>
+                                      </p:cBhvr>
+                                      <p:to>
+                                        <p:strVal val="visible"/>
+                                      </p:to>
+                                    </p:set>
+                                    <p:animEffect transition="in" filter="fade">
+                                      <p:cBhvr>
+                                        <p:cTn id="7" dur="500"/>
+                                        <p:tgtEl>
+                                          <p:spTgt spid="620547"/>
+                                        </p:tgtEl>
+                                      </p:cBhvr>
+                                    </p:animEffect>
+                                  </p:childTnLst>
+                                </p:cTn>
+                              </p:par>
+                            </p:childTnLst>
+                          </p:cTn>
+                        </p:par>
+                      </p:childTnLst>
+                    </p:cTn>
+                  </p:par>
+                </p:childTnLst>
+              </p:cTn>
+              <p:prevCondLst>
+                <p:cond evt="onPrev" delay="0">
+                  <p:tgtEl>
+                    <p:sldTgt/>
+                  </p:tgtEl>
+                </p:cond>
+              </p:prevCondLst>
+              <p:nextCondLst>
+                <p:cond evt="onNext" delay="0">
+                  <p:tgtEl>
+                    <p:sldTgt/>
+                  </p:tgtEl>
+                </p:cond>
+              </p:nextCondLst>
+            </p:seq>
+          </p:childTnLst>
+        </p:cTn>
+      </p:par>
+    </p:tnLst>
+  </p:timing>
 </p:sld>
 </file>
 
